--- a/Talks/IceBreaker.pptx
+++ b/Talks/IceBreaker.pptx
@@ -6317,7 +6317,7 @@
             </a:pPr>
             <a:r>
               <a:rPr lang="en-GB" dirty="0"/>
-              <a:t>What are the top ten training requirements for your research group, training in R, Python, Databases, SQL, etc</a:t>
+              <a:t>What are the top ten training requirements for your research group, training in R, Python, Databases, SQL, etc?</a:t>
             </a:r>
           </a:p>
           <a:p>
@@ -6327,7 +6327,7 @@
             </a:pPr>
             <a:r>
               <a:rPr lang="en-GB" dirty="0"/>
-              <a:t>What are the top ten infrastructure requirements in order for your research group: big machines with lots of CPUs, machines with large amounts of memory, lots of disk space, etc.</a:t>
+              <a:t>What are the top ten infrastructure requirements in order for your research group: big machines with lots of CPUs, machines with large amounts of memory, lots of disk space, etc?</a:t>
             </a:r>
           </a:p>
           <a:p>
@@ -6337,7 +6337,7 @@
             </a:pPr>
             <a:r>
               <a:rPr lang="en-GB" dirty="0"/>
-              <a:t>What are the biggest blockers for you to progress in your research.</a:t>
+              <a:t>What are the biggest blockers for you to progress in your research?</a:t>
             </a:r>
           </a:p>
           <a:p>
@@ -6347,7 +6347,7 @@
             </a:pPr>
             <a:r>
               <a:rPr lang="en-GB" dirty="0"/>
-              <a:t>What are the most useful applications/tools that facilitate your research.</a:t>
+              <a:t>What are the most useful applications/tools that facilitate your research?</a:t>
             </a:r>
           </a:p>
           <a:p>
@@ -6357,7 +6357,7 @@
             </a:pPr>
             <a:r>
               <a:rPr lang="en-GB" dirty="0"/>
-              <a:t>What do you feel are the most important skill gaps in your research group.</a:t>
+              <a:t>What do you feel are the most important skill gaps in your research group?</a:t>
             </a:r>
           </a:p>
           <a:p>
